--- a/Presentation_Group1.pptx
+++ b/Presentation_Group1.pptx
@@ -980,7 +980,7 @@
       </p:grpSpPr>
       <p:sp>
         <p:nvSpPr>
-          <p:cNvPr id="95" name="Google Shape;95;g16419da2373_0_10:notes"/>
+          <p:cNvPr id="95" name="Google Shape;95;g164cbfdd9fa_1_1:notes"/>
           <p:cNvSpPr/>
           <p:nvPr>
             <p:ph idx="2" type="sldImg"/>
@@ -1015,7 +1015,7 @@
       </p:sp>
       <p:sp>
         <p:nvSpPr>
-          <p:cNvPr id="96" name="Google Shape;96;g16419da2373_0_10:notes"/>
+          <p:cNvPr id="96" name="Google Shape;96;g164cbfdd9fa_1_1:notes"/>
           <p:cNvSpPr txBox="1"/>
           <p:nvPr>
             <p:ph idx="1" type="body"/>
@@ -1079,7 +1079,7 @@
       </p:grpSpPr>
       <p:sp>
         <p:nvSpPr>
-          <p:cNvPr id="102" name="Google Shape;102;g164cbfdd9fa_1_1:notes"/>
+          <p:cNvPr id="102" name="Google Shape;102;g16419da2373_0_10:notes"/>
           <p:cNvSpPr/>
           <p:nvPr>
             <p:ph idx="2" type="sldImg"/>
@@ -1114,7 +1114,7 @@
       </p:sp>
       <p:sp>
         <p:nvSpPr>
-          <p:cNvPr id="103" name="Google Shape;103;g164cbfdd9fa_1_1:notes"/>
+          <p:cNvPr id="103" name="Google Shape;103;g16419da2373_0_10:notes"/>
           <p:cNvSpPr txBox="1"/>
           <p:nvPr>
             <p:ph idx="1" type="body"/>
@@ -7889,8 +7889,8 @@
         </p:nvSpPr>
         <p:spPr>
           <a:xfrm>
-            <a:off x="468300" y="83250"/>
-            <a:ext cx="2071200" cy="572700"/>
+            <a:off x="309850" y="303300"/>
+            <a:ext cx="2697900" cy="572700"/>
           </a:xfrm>
           <a:prstGeom prst="rect">
             <a:avLst/>
@@ -7914,11 +7914,24 @@
             </a:pPr>
             <a:r>
               <a:rPr b="1" lang="en" sz="1940"/>
-              <a:t>Question 1:</a:t>
+              <a:t>Question 2:</a:t>
             </a:r>
+            <a:endParaRPr b="1" sz="1940"/>
+          </a:p>
+          <a:p>
+            <a:pPr indent="0" lvl="0" marL="0" rtl="0" algn="l">
+              <a:spcBef>
+                <a:spcPts val="0"/>
+              </a:spcBef>
+              <a:spcAft>
+                <a:spcPts val="0"/>
+              </a:spcAft>
+              <a:buSzPts val="990"/>
+              <a:buNone/>
+            </a:pPr>
             <a:r>
               <a:rPr lang="en" sz="1940"/>
-              <a:t> Does the level of weekend alcohol consumption in students relate to their first period grades?</a:t>
+              <a:t>What is the distribution of students' weekend alcohol consumption by sex?</a:t>
             </a:r>
             <a:endParaRPr sz="1940"/>
           </a:p>
@@ -7951,7 +7964,7 @@
             </a:pPr>
             <a:r>
               <a:rPr lang="en" sz="1940"/>
-              <a:t>Hypothesis: If a student consumes more alcohol then we expect their grade marks to be lower</a:t>
+              <a:t>The number of students will taper off as the alcohol consumption level increases at similar proportions for both males and females.</a:t>
             </a:r>
             <a:endParaRPr sz="1940"/>
           </a:p>
@@ -7973,8 +7986,8 @@
         </p:blipFill>
         <p:spPr>
           <a:xfrm>
-            <a:off x="3098200" y="523850"/>
-            <a:ext cx="5734102" cy="4095799"/>
+            <a:off x="3229850" y="788225"/>
+            <a:ext cx="5831401" cy="3597293"/>
           </a:xfrm>
           <a:prstGeom prst="rect">
             <a:avLst/>
@@ -8069,8 +8082,8 @@
         </p:nvSpPr>
         <p:spPr>
           <a:xfrm>
-            <a:off x="309850" y="303300"/>
-            <a:ext cx="2697900" cy="572700"/>
+            <a:off x="468300" y="83250"/>
+            <a:ext cx="2071200" cy="572700"/>
           </a:xfrm>
           <a:prstGeom prst="rect">
             <a:avLst/>
@@ -8094,24 +8107,11 @@
             </a:pPr>
             <a:r>
               <a:rPr b="1" lang="en" sz="1940"/>
-              <a:t>Question 2:</a:t>
+              <a:t>Question 1:</a:t>
             </a:r>
-            <a:endParaRPr b="1" sz="1940"/>
-          </a:p>
-          <a:p>
-            <a:pPr indent="0" lvl="0" marL="0" rtl="0" algn="l">
-              <a:spcBef>
-                <a:spcPts val="0"/>
-              </a:spcBef>
-              <a:spcAft>
-                <a:spcPts val="0"/>
-              </a:spcAft>
-              <a:buSzPts val="990"/>
-              <a:buNone/>
-            </a:pPr>
             <a:r>
               <a:rPr lang="en" sz="1940"/>
-              <a:t>What is the distribution of students' weekend alcohol consumption by sex?</a:t>
+              <a:t> Does the level of weekend alcohol consumption in students relate to their first period grades?</a:t>
             </a:r>
             <a:endParaRPr sz="1940"/>
           </a:p>
@@ -8144,7 +8144,7 @@
             </a:pPr>
             <a:r>
               <a:rPr lang="en" sz="1940"/>
-              <a:t>The number of students will taper off as the alcohol consumption level increases at similar proportions for both males and females.</a:t>
+              <a:t>Hypothesis: If a student consumes more alcohol then we expect their grade marks to be lower</a:t>
             </a:r>
             <a:endParaRPr sz="1940"/>
           </a:p>
@@ -8166,8 +8166,8 @@
         </p:blipFill>
         <p:spPr>
           <a:xfrm>
-            <a:off x="3229850" y="788225"/>
-            <a:ext cx="5831401" cy="3597293"/>
+            <a:off x="3098200" y="523850"/>
+            <a:ext cx="5734102" cy="4095799"/>
           </a:xfrm>
           <a:prstGeom prst="rect">
             <a:avLst/>
